--- a/10|2-6/2023-10-5/KANJI_ONLY_write.pptx
+++ b/10|2-6/2023-10-5/KANJI_ONLY_write.pptx
@@ -15,9 +15,12 @@
     <p:sldId id="263" r:id="rId9"/>
     <p:sldId id="264" r:id="rId10"/>
     <p:sldId id="265" r:id="rId11"/>
+    <p:sldId id="266" r:id="rId12"/>
+    <p:sldId id="267" r:id="rId13"/>
+    <p:sldId id="268" r:id="rId14"/>
   </p:sldIdLst>
   <p:notesMasterIdLst>
-    <p:notesMasterId r:id="rId12"/>
+    <p:notesMasterId r:id="rId15"/>
   </p:notesMasterIdLst>
   <p:sldSz cx="9144000" cy="5143500"/>
   <p:notesSz cx="5143500" cy="9144000"/>
@@ -623,6 +626,270 @@
             <a:fld id="{F7021451-1387-4CA6-816F-3879F97B5CBC}" type="slidenum">
               <a:rPr lang="en-US"/>
               <a:t>10</a:t>
+            </a:fld>
+            <a:endParaRPr lang="en-US"/>
+          </a:p>
+        </p:txBody>
+      </p:sp>
+    </p:spTree>
+    <p:extLst>
+      <p:ext uri="{BB962C8B-B14F-4D97-AF65-F5344CB8AC3E}">
+        <p14:creationId xmlns:p14="http://schemas.microsoft.com/office/powerpoint/2010/main" val="1024086991"/>
+      </p:ext>
+    </p:extLst>
+  </p:cSld>
+  <p:clrMapOvr>
+    <a:masterClrMapping/>
+  </p:clrMapOvr>
+</p:notes>
+</file>
+
+<file path=ppt/notesSlides/notesSlide11.xml><?xml version="1.0" encoding="utf-8"?>
+<p:notes xmlns:a="http://schemas.openxmlformats.org/drawingml/2006/main" xmlns:r="http://schemas.openxmlformats.org/officeDocument/2006/relationships" xmlns:p="http://schemas.openxmlformats.org/presentationml/2006/main">
+  <p:cSld>
+    <p:spTree>
+      <p:nvGrpSpPr>
+        <p:cNvPr id="1" name=""/>
+        <p:cNvGrpSpPr/>
+        <p:nvPr/>
+      </p:nvGrpSpPr>
+      <p:grpSpPr>
+        <a:xfrm>
+          <a:off x="0" y="0"/>
+          <a:ext cx="0" cy="0"/>
+          <a:chOff x="0" y="0"/>
+          <a:chExt cx="0" cy="0"/>
+        </a:xfrm>
+      </p:grpSpPr>
+      <p:sp>
+        <p:nvSpPr>
+          <p:cNvPr id="2" name="Slide Image Placeholder 1"/>
+          <p:cNvSpPr>
+            <a:spLocks noGrp="1" noRot="1" noChangeAspect="1"/>
+          </p:cNvSpPr>
+          <p:nvPr>
+            <p:ph type="sldImg"/>
+          </p:nvPr>
+        </p:nvSpPr>
+        <p:spPr/>
+      </p:sp>
+      <p:sp>
+        <p:nvSpPr>
+          <p:cNvPr id="3" name="Notes Placeholder 2"/>
+          <p:cNvSpPr>
+            <a:spLocks noGrp="1"/>
+          </p:cNvSpPr>
+          <p:nvPr>
+            <p:ph type="body" idx="1"/>
+          </p:nvPr>
+        </p:nvSpPr>
+        <p:spPr/>
+        <p:txBody>
+          <a:bodyPr/>
+          <a:lstStyle/>
+          <a:p>
+            <a:r>
+              <a:rPr lang="en-US" dirty="0"/>
+              <a:t/>
+            </a:r>
+            <a:endParaRPr lang="en-US" dirty="0"/>
+          </a:p>
+        </p:txBody>
+      </p:sp>
+      <p:sp>
+        <p:nvSpPr>
+          <p:cNvPr id="4" name="Slide Number Placeholder 3"/>
+          <p:cNvSpPr>
+            <a:spLocks noGrp="1"/>
+          </p:cNvSpPr>
+          <p:nvPr>
+            <p:ph type="sldNum" sz="quarter" idx="10"/>
+          </p:nvPr>
+        </p:nvSpPr>
+        <p:spPr/>
+        <p:txBody>
+          <a:bodyPr/>
+          <a:lstStyle/>
+          <a:p>
+            <a:fld id="{F7021451-1387-4CA6-816F-3879F97B5CBC}" type="slidenum">
+              <a:rPr lang="en-US"/>
+              <a:t>11</a:t>
+            </a:fld>
+            <a:endParaRPr lang="en-US"/>
+          </a:p>
+        </p:txBody>
+      </p:sp>
+    </p:spTree>
+    <p:extLst>
+      <p:ext uri="{BB962C8B-B14F-4D97-AF65-F5344CB8AC3E}">
+        <p14:creationId xmlns:p14="http://schemas.microsoft.com/office/powerpoint/2010/main" val="1024086991"/>
+      </p:ext>
+    </p:extLst>
+  </p:cSld>
+  <p:clrMapOvr>
+    <a:masterClrMapping/>
+  </p:clrMapOvr>
+</p:notes>
+</file>
+
+<file path=ppt/notesSlides/notesSlide12.xml><?xml version="1.0" encoding="utf-8"?>
+<p:notes xmlns:a="http://schemas.openxmlformats.org/drawingml/2006/main" xmlns:r="http://schemas.openxmlformats.org/officeDocument/2006/relationships" xmlns:p="http://schemas.openxmlformats.org/presentationml/2006/main">
+  <p:cSld>
+    <p:spTree>
+      <p:nvGrpSpPr>
+        <p:cNvPr id="1" name=""/>
+        <p:cNvGrpSpPr/>
+        <p:nvPr/>
+      </p:nvGrpSpPr>
+      <p:grpSpPr>
+        <a:xfrm>
+          <a:off x="0" y="0"/>
+          <a:ext cx="0" cy="0"/>
+          <a:chOff x="0" y="0"/>
+          <a:chExt cx="0" cy="0"/>
+        </a:xfrm>
+      </p:grpSpPr>
+      <p:sp>
+        <p:nvSpPr>
+          <p:cNvPr id="2" name="Slide Image Placeholder 1"/>
+          <p:cNvSpPr>
+            <a:spLocks noGrp="1" noRot="1" noChangeAspect="1"/>
+          </p:cNvSpPr>
+          <p:nvPr>
+            <p:ph type="sldImg"/>
+          </p:nvPr>
+        </p:nvSpPr>
+        <p:spPr/>
+      </p:sp>
+      <p:sp>
+        <p:nvSpPr>
+          <p:cNvPr id="3" name="Notes Placeholder 2"/>
+          <p:cNvSpPr>
+            <a:spLocks noGrp="1"/>
+          </p:cNvSpPr>
+          <p:nvPr>
+            <p:ph type="body" idx="1"/>
+          </p:nvPr>
+        </p:nvSpPr>
+        <p:spPr/>
+        <p:txBody>
+          <a:bodyPr/>
+          <a:lstStyle/>
+          <a:p>
+            <a:r>
+              <a:rPr lang="en-US" dirty="0"/>
+              <a:t/>
+            </a:r>
+            <a:endParaRPr lang="en-US" dirty="0"/>
+          </a:p>
+        </p:txBody>
+      </p:sp>
+      <p:sp>
+        <p:nvSpPr>
+          <p:cNvPr id="4" name="Slide Number Placeholder 3"/>
+          <p:cNvSpPr>
+            <a:spLocks noGrp="1"/>
+          </p:cNvSpPr>
+          <p:nvPr>
+            <p:ph type="sldNum" sz="quarter" idx="10"/>
+          </p:nvPr>
+        </p:nvSpPr>
+        <p:spPr/>
+        <p:txBody>
+          <a:bodyPr/>
+          <a:lstStyle/>
+          <a:p>
+            <a:fld id="{F7021451-1387-4CA6-816F-3879F97B5CBC}" type="slidenum">
+              <a:rPr lang="en-US"/>
+              <a:t>12</a:t>
+            </a:fld>
+            <a:endParaRPr lang="en-US"/>
+          </a:p>
+        </p:txBody>
+      </p:sp>
+    </p:spTree>
+    <p:extLst>
+      <p:ext uri="{BB962C8B-B14F-4D97-AF65-F5344CB8AC3E}">
+        <p14:creationId xmlns:p14="http://schemas.microsoft.com/office/powerpoint/2010/main" val="1024086991"/>
+      </p:ext>
+    </p:extLst>
+  </p:cSld>
+  <p:clrMapOvr>
+    <a:masterClrMapping/>
+  </p:clrMapOvr>
+</p:notes>
+</file>
+
+<file path=ppt/notesSlides/notesSlide13.xml><?xml version="1.0" encoding="utf-8"?>
+<p:notes xmlns:a="http://schemas.openxmlformats.org/drawingml/2006/main" xmlns:r="http://schemas.openxmlformats.org/officeDocument/2006/relationships" xmlns:p="http://schemas.openxmlformats.org/presentationml/2006/main">
+  <p:cSld>
+    <p:spTree>
+      <p:nvGrpSpPr>
+        <p:cNvPr id="1" name=""/>
+        <p:cNvGrpSpPr/>
+        <p:nvPr/>
+      </p:nvGrpSpPr>
+      <p:grpSpPr>
+        <a:xfrm>
+          <a:off x="0" y="0"/>
+          <a:ext cx="0" cy="0"/>
+          <a:chOff x="0" y="0"/>
+          <a:chExt cx="0" cy="0"/>
+        </a:xfrm>
+      </p:grpSpPr>
+      <p:sp>
+        <p:nvSpPr>
+          <p:cNvPr id="2" name="Slide Image Placeholder 1"/>
+          <p:cNvSpPr>
+            <a:spLocks noGrp="1" noRot="1" noChangeAspect="1"/>
+          </p:cNvSpPr>
+          <p:nvPr>
+            <p:ph type="sldImg"/>
+          </p:nvPr>
+        </p:nvSpPr>
+        <p:spPr/>
+      </p:sp>
+      <p:sp>
+        <p:nvSpPr>
+          <p:cNvPr id="3" name="Notes Placeholder 2"/>
+          <p:cNvSpPr>
+            <a:spLocks noGrp="1"/>
+          </p:cNvSpPr>
+          <p:nvPr>
+            <p:ph type="body" idx="1"/>
+          </p:nvPr>
+        </p:nvSpPr>
+        <p:spPr/>
+        <p:txBody>
+          <a:bodyPr/>
+          <a:lstStyle/>
+          <a:p>
+            <a:r>
+              <a:rPr lang="en-US" dirty="0"/>
+              <a:t/>
+            </a:r>
+            <a:endParaRPr lang="en-US" dirty="0"/>
+          </a:p>
+        </p:txBody>
+      </p:sp>
+      <p:sp>
+        <p:nvSpPr>
+          <p:cNvPr id="4" name="Slide Number Placeholder 3"/>
+          <p:cNvSpPr>
+            <a:spLocks noGrp="1"/>
+          </p:cNvSpPr>
+          <p:nvPr>
+            <p:ph type="sldNum" sz="quarter" idx="10"/>
+          </p:nvPr>
+        </p:nvSpPr>
+        <p:spPr/>
+        <p:txBody>
+          <a:bodyPr/>
+          <a:lstStyle/>
+          <a:p>
+            <a:fld id="{F7021451-1387-4CA6-816F-3879F97B5CBC}" type="slidenum">
+              <a:rPr lang="en-US"/>
+              <a:t>13</a:t>
             </a:fld>
             <a:endParaRPr lang="en-US"/>
           </a:p>
@@ -1699,7 +1966,7 @@
                   <a:srgbClr val="000000"/>
                 </a:solidFill>
               </a:rPr>
-              <a:t>幅広い</a:t>
+              <a:t>豊か</a:t>
             </a:r>
             <a:endParaRPr lang="en-US" sz="4800" dirty="0"/>
           </a:p>
@@ -1772,7 +2039,7 @@
                   <a:srgbClr val="808080"/>
                 </a:solidFill>
               </a:rPr>
-              <a:t>extensive, wide, broad...</a:t>
+              <a:t>abundant, plentiful, rich, ample | rich, wealthy, affluent, well-off | open (mind), relaxed, easy | plump (e.g. breasts),...</a:t>
             </a:r>
             <a:endParaRPr lang="en-US" sz="3600" dirty="0"/>
           </a:p>
@@ -1808,7 +2075,7 @@
                   <a:srgbClr val="808080"/>
                 </a:solidFill>
               </a:rPr>
-              <a:t>65-66</a:t>
+              <a:t>63-64</a:t>
             </a:r>
             <a:endParaRPr lang="en-US" sz="2400" dirty="0"/>
           </a:p>
@@ -1869,7 +2136,7 @@
                   <a:srgbClr val="000000"/>
                 </a:solidFill>
               </a:rPr>
-              <a:t>害虫</a:t>
+              <a:t>与える</a:t>
             </a:r>
             <a:endParaRPr lang="en-US" sz="4800" dirty="0"/>
           </a:p>
@@ -1942,7 +2209,7 @@
                   <a:srgbClr val="808080"/>
                 </a:solidFill>
               </a:rPr>
-              <a:t>harmful insect, noxious insect, vermin, pest...</a:t>
+              <a:t>to give (esp. to someone of lower status), to bestow, to grant, to confer, to present, to award | to provide, to afford, ...</a:t>
             </a:r>
             <a:endParaRPr lang="en-US" sz="3600" dirty="0"/>
           </a:p>
@@ -1978,7 +2245,517 @@
                   <a:srgbClr val="808080"/>
                 </a:solidFill>
               </a:rPr>
-              <a:t>65-66</a:t>
+              <a:t>63-64</a:t>
+            </a:r>
+            <a:endParaRPr lang="en-US" sz="2400" dirty="0"/>
+          </a:p>
+        </p:txBody>
+      </p:sp>
+    </p:spTree>
+  </p:cSld>
+  <p:clrMapOvr>
+    <a:masterClrMapping/>
+  </p:clrMapOvr>
+</p:sld>
+</file>
+
+<file path=ppt/slides/slide11.xml><?xml version="1.0" encoding="utf-8"?>
+<p:sld xmlns:a="http://schemas.openxmlformats.org/drawingml/2006/main" xmlns:r="http://schemas.openxmlformats.org/officeDocument/2006/relationships" xmlns:p="http://schemas.openxmlformats.org/presentationml/2006/main">
+  <p:cSld name="Slide 11">
+    <p:spTree>
+      <p:nvGrpSpPr>
+        <p:cNvPr id="1" name=""/>
+        <p:cNvGrpSpPr/>
+        <p:nvPr/>
+      </p:nvGrpSpPr>
+      <p:grpSpPr>
+        <a:xfrm>
+          <a:off x="0" y="0"/>
+          <a:ext cx="0" cy="0"/>
+          <a:chOff x="0" y="0"/>
+          <a:chExt cx="0" cy="0"/>
+        </a:xfrm>
+      </p:grpSpPr>
+      <p:sp>
+        <p:nvSpPr>
+          <p:cNvPr id="2" name="Text 0"/>
+          <p:cNvSpPr/>
+          <p:nvPr/>
+        </p:nvSpPr>
+        <p:spPr>
+          <a:xfrm>
+            <a:off x="0" y="548640"/>
+            <a:ext cx="9144000" cy="1828800"/>
+          </a:xfrm>
+          <a:prstGeom prst="rect">
+            <a:avLst/>
+          </a:prstGeom>
+          <a:noFill/>
+          <a:ln/>
+        </p:spPr>
+        <p:txBody>
+          <a:bodyPr wrap="square" rtlCol="0" anchor="ctr"/>
+          <a:lstStyle/>
+          <a:p>
+            <a:pPr algn="ctr" indent="0" marL="0">
+              <a:buNone/>
+            </a:pPr>
+            <a:r>
+              <a:rPr lang="en-US" sz="4800" dirty="0">
+                <a:solidFill>
+                  <a:srgbClr val="000000"/>
+                </a:solidFill>
+              </a:rPr>
+              <a:t>貸与</a:t>
+            </a:r>
+            <a:endParaRPr lang="en-US" sz="4800" dirty="0"/>
+          </a:p>
+        </p:txBody>
+      </p:sp>
+      <p:sp>
+        <p:nvSpPr>
+          <p:cNvPr id="3" name="Text 1"/>
+          <p:cNvSpPr/>
+          <p:nvPr/>
+        </p:nvSpPr>
+        <p:spPr>
+          <a:xfrm>
+            <a:off x="0" y="914400"/>
+            <a:ext cx="9144000" cy="1828800"/>
+          </a:xfrm>
+          <a:prstGeom prst="rect">
+            <a:avLst/>
+          </a:prstGeom>
+          <a:noFill/>
+          <a:ln/>
+        </p:spPr>
+        <p:txBody>
+          <a:bodyPr wrap="square" rtlCol="0" anchor="ctr"/>
+          <a:lstStyle/>
+          <a:p>
+            <a:pPr algn="ctr" indent="0" marL="0">
+              <a:buNone/>
+            </a:pPr>
+            <a:r>
+              <a:rPr lang="en-US" sz="3600" dirty="0">
+                <a:solidFill>
+                  <a:srgbClr val="404040"/>
+                </a:solidFill>
+              </a:rPr>
+              <a:t>
+</a:t>
+            </a:r>
+            <a:endParaRPr lang="en-US" sz="3600" dirty="0"/>
+          </a:p>
+        </p:txBody>
+      </p:sp>
+      <p:sp>
+        <p:nvSpPr>
+          <p:cNvPr id="4" name="Text 2"/>
+          <p:cNvSpPr/>
+          <p:nvPr/>
+        </p:nvSpPr>
+        <p:spPr>
+          <a:xfrm>
+            <a:off x="0" y="2743200"/>
+            <a:ext cx="9144000" cy="1828800"/>
+          </a:xfrm>
+          <a:prstGeom prst="rect">
+            <a:avLst/>
+          </a:prstGeom>
+          <a:noFill/>
+          <a:ln/>
+        </p:spPr>
+        <p:txBody>
+          <a:bodyPr wrap="square" rtlCol="0" anchor="ctr"/>
+          <a:lstStyle/>
+          <a:p>
+            <a:pPr algn="ctr" indent="0" marL="0">
+              <a:buNone/>
+            </a:pPr>
+            <a:r>
+              <a:rPr lang="en-US" sz="3600" dirty="0">
+                <a:solidFill>
+                  <a:srgbClr val="808080"/>
+                </a:solidFill>
+              </a:rPr>
+              <a:t>loan, lending...</a:t>
+            </a:r>
+            <a:endParaRPr lang="en-US" sz="3600" dirty="0"/>
+          </a:p>
+        </p:txBody>
+      </p:sp>
+      <p:sp>
+        <p:nvSpPr>
+          <p:cNvPr id="5" name="Text 3"/>
+          <p:cNvSpPr/>
+          <p:nvPr/>
+        </p:nvSpPr>
+        <p:spPr>
+          <a:xfrm>
+            <a:off x="0" y="3657600"/>
+            <a:ext cx="8686800" cy="1828800"/>
+          </a:xfrm>
+          <a:prstGeom prst="rect">
+            <a:avLst/>
+          </a:prstGeom>
+          <a:noFill/>
+          <a:ln/>
+        </p:spPr>
+        <p:txBody>
+          <a:bodyPr wrap="square" rtlCol="0" anchor="ctr"/>
+          <a:lstStyle/>
+          <a:p>
+            <a:pPr algn="r" indent="0" marL="0">
+              <a:buNone/>
+            </a:pPr>
+            <a:r>
+              <a:rPr lang="en-US" sz="2400" dirty="0">
+                <a:solidFill>
+                  <a:srgbClr val="808080"/>
+                </a:solidFill>
+              </a:rPr>
+              <a:t>63-64</a:t>
+            </a:r>
+            <a:endParaRPr lang="en-US" sz="2400" dirty="0"/>
+          </a:p>
+        </p:txBody>
+      </p:sp>
+    </p:spTree>
+  </p:cSld>
+  <p:clrMapOvr>
+    <a:masterClrMapping/>
+  </p:clrMapOvr>
+</p:sld>
+</file>
+
+<file path=ppt/slides/slide12.xml><?xml version="1.0" encoding="utf-8"?>
+<p:sld xmlns:a="http://schemas.openxmlformats.org/drawingml/2006/main" xmlns:r="http://schemas.openxmlformats.org/officeDocument/2006/relationships" xmlns:p="http://schemas.openxmlformats.org/presentationml/2006/main">
+  <p:cSld name="Slide 12">
+    <p:spTree>
+      <p:nvGrpSpPr>
+        <p:cNvPr id="1" name=""/>
+        <p:cNvGrpSpPr/>
+        <p:nvPr/>
+      </p:nvGrpSpPr>
+      <p:grpSpPr>
+        <a:xfrm>
+          <a:off x="0" y="0"/>
+          <a:ext cx="0" cy="0"/>
+          <a:chOff x="0" y="0"/>
+          <a:chExt cx="0" cy="0"/>
+        </a:xfrm>
+      </p:grpSpPr>
+      <p:sp>
+        <p:nvSpPr>
+          <p:cNvPr id="2" name="Text 0"/>
+          <p:cNvSpPr/>
+          <p:nvPr/>
+        </p:nvSpPr>
+        <p:spPr>
+          <a:xfrm>
+            <a:off x="0" y="548640"/>
+            <a:ext cx="9144000" cy="1828800"/>
+          </a:xfrm>
+          <a:prstGeom prst="rect">
+            <a:avLst/>
+          </a:prstGeom>
+          <a:noFill/>
+          <a:ln/>
+        </p:spPr>
+        <p:txBody>
+          <a:bodyPr wrap="square" rtlCol="0" anchor="ctr"/>
+          <a:lstStyle/>
+          <a:p>
+            <a:pPr algn="ctr" indent="0" marL="0">
+              <a:buNone/>
+            </a:pPr>
+            <a:r>
+              <a:rPr lang="en-US" sz="4800" dirty="0">
+                <a:solidFill>
+                  <a:srgbClr val="000000"/>
+                </a:solidFill>
+              </a:rPr>
+              <a:t>可能</a:t>
+            </a:r>
+            <a:endParaRPr lang="en-US" sz="4800" dirty="0"/>
+          </a:p>
+        </p:txBody>
+      </p:sp>
+      <p:sp>
+        <p:nvSpPr>
+          <p:cNvPr id="3" name="Text 1"/>
+          <p:cNvSpPr/>
+          <p:nvPr/>
+        </p:nvSpPr>
+        <p:spPr>
+          <a:xfrm>
+            <a:off x="0" y="914400"/>
+            <a:ext cx="9144000" cy="1828800"/>
+          </a:xfrm>
+          <a:prstGeom prst="rect">
+            <a:avLst/>
+          </a:prstGeom>
+          <a:noFill/>
+          <a:ln/>
+        </p:spPr>
+        <p:txBody>
+          <a:bodyPr wrap="square" rtlCol="0" anchor="ctr"/>
+          <a:lstStyle/>
+          <a:p>
+            <a:pPr algn="ctr" indent="0" marL="0">
+              <a:buNone/>
+            </a:pPr>
+            <a:r>
+              <a:rPr lang="en-US" sz="3600" dirty="0">
+                <a:solidFill>
+                  <a:srgbClr val="404040"/>
+                </a:solidFill>
+              </a:rPr>
+              <a:t>
+</a:t>
+            </a:r>
+            <a:endParaRPr lang="en-US" sz="3600" dirty="0"/>
+          </a:p>
+        </p:txBody>
+      </p:sp>
+      <p:sp>
+        <p:nvSpPr>
+          <p:cNvPr id="4" name="Text 2"/>
+          <p:cNvSpPr/>
+          <p:nvPr/>
+        </p:nvSpPr>
+        <p:spPr>
+          <a:xfrm>
+            <a:off x="0" y="2743200"/>
+            <a:ext cx="9144000" cy="1828800"/>
+          </a:xfrm>
+          <a:prstGeom prst="rect">
+            <a:avLst/>
+          </a:prstGeom>
+          <a:noFill/>
+          <a:ln/>
+        </p:spPr>
+        <p:txBody>
+          <a:bodyPr wrap="square" rtlCol="0" anchor="ctr"/>
+          <a:lstStyle/>
+          <a:p>
+            <a:pPr algn="ctr" indent="0" marL="0">
+              <a:buNone/>
+            </a:pPr>
+            <a:r>
+              <a:rPr lang="en-US" sz="3600" dirty="0">
+                <a:solidFill>
+                  <a:srgbClr val="808080"/>
+                </a:solidFill>
+              </a:rPr>
+              <a:t>possible, potential, practicable, feasible...</a:t>
+            </a:r>
+            <a:endParaRPr lang="en-US" sz="3600" dirty="0"/>
+          </a:p>
+        </p:txBody>
+      </p:sp>
+      <p:sp>
+        <p:nvSpPr>
+          <p:cNvPr id="5" name="Text 3"/>
+          <p:cNvSpPr/>
+          <p:nvPr/>
+        </p:nvSpPr>
+        <p:spPr>
+          <a:xfrm>
+            <a:off x="0" y="3657600"/>
+            <a:ext cx="8686800" cy="1828800"/>
+          </a:xfrm>
+          <a:prstGeom prst="rect">
+            <a:avLst/>
+          </a:prstGeom>
+          <a:noFill/>
+          <a:ln/>
+        </p:spPr>
+        <p:txBody>
+          <a:bodyPr wrap="square" rtlCol="0" anchor="ctr"/>
+          <a:lstStyle/>
+          <a:p>
+            <a:pPr algn="r" indent="0" marL="0">
+              <a:buNone/>
+            </a:pPr>
+            <a:r>
+              <a:rPr lang="en-US" sz="2400" dirty="0">
+                <a:solidFill>
+                  <a:srgbClr val="808080"/>
+                </a:solidFill>
+              </a:rPr>
+              <a:t>63-64</a:t>
+            </a:r>
+            <a:endParaRPr lang="en-US" sz="2400" dirty="0"/>
+          </a:p>
+        </p:txBody>
+      </p:sp>
+    </p:spTree>
+  </p:cSld>
+  <p:clrMapOvr>
+    <a:masterClrMapping/>
+  </p:clrMapOvr>
+</p:sld>
+</file>
+
+<file path=ppt/slides/slide13.xml><?xml version="1.0" encoding="utf-8"?>
+<p:sld xmlns:a="http://schemas.openxmlformats.org/drawingml/2006/main" xmlns:r="http://schemas.openxmlformats.org/officeDocument/2006/relationships" xmlns:p="http://schemas.openxmlformats.org/presentationml/2006/main">
+  <p:cSld name="Slide 13">
+    <p:spTree>
+      <p:nvGrpSpPr>
+        <p:cNvPr id="1" name=""/>
+        <p:cNvGrpSpPr/>
+        <p:nvPr/>
+      </p:nvGrpSpPr>
+      <p:grpSpPr>
+        <a:xfrm>
+          <a:off x="0" y="0"/>
+          <a:ext cx="0" cy="0"/>
+          <a:chOff x="0" y="0"/>
+          <a:chExt cx="0" cy="0"/>
+        </a:xfrm>
+      </p:grpSpPr>
+      <p:sp>
+        <p:nvSpPr>
+          <p:cNvPr id="2" name="Text 0"/>
+          <p:cNvSpPr/>
+          <p:nvPr/>
+        </p:nvSpPr>
+        <p:spPr>
+          <a:xfrm>
+            <a:off x="0" y="548640"/>
+            <a:ext cx="9144000" cy="1828800"/>
+          </a:xfrm>
+          <a:prstGeom prst="rect">
+            <a:avLst/>
+          </a:prstGeom>
+          <a:noFill/>
+          <a:ln/>
+        </p:spPr>
+        <p:txBody>
+          <a:bodyPr wrap="square" rtlCol="0" anchor="ctr"/>
+          <a:lstStyle/>
+          <a:p>
+            <a:pPr algn="ctr" indent="0" marL="0">
+              <a:buNone/>
+            </a:pPr>
+            <a:r>
+              <a:rPr lang="en-US" sz="4800" dirty="0">
+                <a:solidFill>
+                  <a:srgbClr val="000000"/>
+                </a:solidFill>
+              </a:rPr>
+              <a:t>趣味</a:t>
+            </a:r>
+            <a:endParaRPr lang="en-US" sz="4800" dirty="0"/>
+          </a:p>
+        </p:txBody>
+      </p:sp>
+      <p:sp>
+        <p:nvSpPr>
+          <p:cNvPr id="3" name="Text 1"/>
+          <p:cNvSpPr/>
+          <p:nvPr/>
+        </p:nvSpPr>
+        <p:spPr>
+          <a:xfrm>
+            <a:off x="0" y="914400"/>
+            <a:ext cx="9144000" cy="1828800"/>
+          </a:xfrm>
+          <a:prstGeom prst="rect">
+            <a:avLst/>
+          </a:prstGeom>
+          <a:noFill/>
+          <a:ln/>
+        </p:spPr>
+        <p:txBody>
+          <a:bodyPr wrap="square" rtlCol="0" anchor="ctr"/>
+          <a:lstStyle/>
+          <a:p>
+            <a:pPr algn="ctr" indent="0" marL="0">
+              <a:buNone/>
+            </a:pPr>
+            <a:r>
+              <a:rPr lang="en-US" sz="3600" dirty="0">
+                <a:solidFill>
+                  <a:srgbClr val="404040"/>
+                </a:solidFill>
+              </a:rPr>
+              <a:t>
+</a:t>
+            </a:r>
+            <a:endParaRPr lang="en-US" sz="3600" dirty="0"/>
+          </a:p>
+        </p:txBody>
+      </p:sp>
+      <p:sp>
+        <p:nvSpPr>
+          <p:cNvPr id="4" name="Text 2"/>
+          <p:cNvSpPr/>
+          <p:nvPr/>
+        </p:nvSpPr>
+        <p:spPr>
+          <a:xfrm>
+            <a:off x="0" y="2743200"/>
+            <a:ext cx="9144000" cy="1828800"/>
+          </a:xfrm>
+          <a:prstGeom prst="rect">
+            <a:avLst/>
+          </a:prstGeom>
+          <a:noFill/>
+          <a:ln/>
+        </p:spPr>
+        <p:txBody>
+          <a:bodyPr wrap="square" rtlCol="0" anchor="ctr"/>
+          <a:lstStyle/>
+          <a:p>
+            <a:pPr algn="ctr" indent="0" marL="0">
+              <a:buNone/>
+            </a:pPr>
+            <a:r>
+              <a:rPr lang="en-US" sz="3600" dirty="0">
+                <a:solidFill>
+                  <a:srgbClr val="808080"/>
+                </a:solidFill>
+              </a:rPr>
+              <a:t>hobby, pastime | tastes, preference, liking...</a:t>
+            </a:r>
+            <a:endParaRPr lang="en-US" sz="3600" dirty="0"/>
+          </a:p>
+        </p:txBody>
+      </p:sp>
+      <p:sp>
+        <p:nvSpPr>
+          <p:cNvPr id="5" name="Text 3"/>
+          <p:cNvSpPr/>
+          <p:nvPr/>
+        </p:nvSpPr>
+        <p:spPr>
+          <a:xfrm>
+            <a:off x="0" y="3657600"/>
+            <a:ext cx="8686800" cy="1828800"/>
+          </a:xfrm>
+          <a:prstGeom prst="rect">
+            <a:avLst/>
+          </a:prstGeom>
+          <a:noFill/>
+          <a:ln/>
+        </p:spPr>
+        <p:txBody>
+          <a:bodyPr wrap="square" rtlCol="0" anchor="ctr"/>
+          <a:lstStyle/>
+          <a:p>
+            <a:pPr algn="r" indent="0" marL="0">
+              <a:buNone/>
+            </a:pPr>
+            <a:r>
+              <a:rPr lang="en-US" sz="2400" dirty="0">
+                <a:solidFill>
+                  <a:srgbClr val="808080"/>
+                </a:solidFill>
+              </a:rPr>
+              <a:t>63-64</a:t>
             </a:r>
             <a:endParaRPr lang="en-US" sz="2400" dirty="0"/>
           </a:p>
@@ -2039,7 +2816,7 @@
                   <a:srgbClr val="000000"/>
                 </a:solidFill>
               </a:rPr>
-              <a:t>増幅</a:t>
+              <a:t>豊作</a:t>
             </a:r>
             <a:endParaRPr lang="en-US" sz="4800" dirty="0"/>
           </a:p>
@@ -2112,7 +2889,7 @@
                   <a:srgbClr val="808080"/>
                 </a:solidFill>
               </a:rPr>
-              <a:t>amplification (elec.) | magnification, amplification, making larger...</a:t>
+              <a:t>abundant harvest, bumper crop...</a:t>
             </a:r>
             <a:endParaRPr lang="en-US" sz="3600" dirty="0"/>
           </a:p>
@@ -2148,7 +2925,7 @@
                   <a:srgbClr val="808080"/>
                 </a:solidFill>
               </a:rPr>
-              <a:t>65-66</a:t>
+              <a:t>63-64</a:t>
             </a:r>
             <a:endParaRPr lang="en-US" sz="2400" dirty="0"/>
           </a:p>
@@ -2209,7 +2986,7 @@
                   <a:srgbClr val="000000"/>
                 </a:solidFill>
               </a:rPr>
-              <a:t>支える</a:t>
+              <a:t>得る</a:t>
             </a:r>
             <a:endParaRPr lang="en-US" sz="4800" dirty="0"/>
           </a:p>
@@ -2282,7 +3059,7 @@
                   <a:srgbClr val="808080"/>
                 </a:solidFill>
               </a:rPr>
-              <a:t>to support, to prop, to sustain, to underlay, to hold up, to defend | to hold at bay, to stem, to check...</a:t>
+              <a:t>to get, to earn, to acquire, to procure, to gain, to secure, to attain, to obtain, to win | to understand, to comprehend ...</a:t>
             </a:r>
             <a:endParaRPr lang="en-US" sz="3600" dirty="0"/>
           </a:p>
@@ -2318,7 +3095,7 @@
                   <a:srgbClr val="808080"/>
                 </a:solidFill>
               </a:rPr>
-              <a:t>65-66</a:t>
+              <a:t>63-64</a:t>
             </a:r>
             <a:endParaRPr lang="en-US" sz="2400" dirty="0"/>
           </a:p>
@@ -2379,7 +3156,7 @@
                   <a:srgbClr val="000000"/>
                 </a:solidFill>
               </a:rPr>
-              <a:t>支持</a:t>
+              <a:t>得意</a:t>
             </a:r>
             <a:endParaRPr lang="en-US" sz="4800" dirty="0"/>
           </a:p>
@@ -2452,7 +3229,7 @@
                   <a:srgbClr val="808080"/>
                 </a:solidFill>
               </a:rPr>
-              <a:t>support, backing, endorsement, approval | propping up, holding up, support...</a:t>
+              <a:t>satisfaction, pride, triumph, elation | one's strong point, one's forte, one's specialty | regular customer, regular clie...</a:t>
             </a:r>
             <a:endParaRPr lang="en-US" sz="3600" dirty="0"/>
           </a:p>
@@ -2488,7 +3265,7 @@
                   <a:srgbClr val="808080"/>
                 </a:solidFill>
               </a:rPr>
-              <a:t>65-66</a:t>
+              <a:t>63-64</a:t>
             </a:r>
             <a:endParaRPr lang="en-US" sz="2400" dirty="0"/>
           </a:p>
@@ -2549,7 +3326,7 @@
                   <a:srgbClr val="000000"/>
                 </a:solidFill>
               </a:rPr>
-              <a:t>反対</a:t>
+              <a:t>逆らう</a:t>
             </a:r>
             <a:endParaRPr lang="en-US" sz="4800" dirty="0"/>
           </a:p>
@@ -2622,7 +3399,7 @@
                   <a:srgbClr val="808080"/>
                 </a:solidFill>
               </a:rPr>
-              <a:t>opposition, resistance, antagonism, hostility, objection, dissent | reverse, opposite, inverse, contrary...</a:t>
+              <a:t>to go against, to oppose, to disobey, to defy...</a:t>
             </a:r>
             <a:endParaRPr lang="en-US" sz="3600" dirty="0"/>
           </a:p>
@@ -2658,7 +3435,7 @@
                   <a:srgbClr val="808080"/>
                 </a:solidFill>
               </a:rPr>
-              <a:t>65-66</a:t>
+              <a:t>63-64</a:t>
             </a:r>
             <a:endParaRPr lang="en-US" sz="2400" dirty="0"/>
           </a:p>
@@ -2719,7 +3496,7 @@
                   <a:srgbClr val="000000"/>
                 </a:solidFill>
               </a:rPr>
-              <a:t>論文</a:t>
+              <a:t>逆</a:t>
             </a:r>
             <a:endParaRPr lang="en-US" sz="4800" dirty="0"/>
           </a:p>
@@ -2792,7 +3569,7 @@
                   <a:srgbClr val="808080"/>
                 </a:solidFill>
               </a:rPr>
-              <a:t>thesis, essay, treatise, paper, article...</a:t>
+              <a:t>reverse, opposite | converse (of a hypothesis, etc.) | inverse (function)...</a:t>
             </a:r>
             <a:endParaRPr lang="en-US" sz="3600" dirty="0"/>
           </a:p>
@@ -2828,7 +3605,7 @@
                   <a:srgbClr val="808080"/>
                 </a:solidFill>
               </a:rPr>
-              <a:t>65-66</a:t>
+              <a:t>63-64</a:t>
             </a:r>
             <a:endParaRPr lang="en-US" sz="2400" dirty="0"/>
           </a:p>
@@ -2889,7 +3666,7 @@
                   <a:srgbClr val="000000"/>
                 </a:solidFill>
               </a:rPr>
-              <a:t>否定</a:t>
+              <a:t>お互い</a:t>
             </a:r>
             <a:endParaRPr lang="en-US" sz="4800" dirty="0"/>
           </a:p>
@@ -2962,7 +3739,7 @@
                   <a:srgbClr val="808080"/>
                 </a:solidFill>
               </a:rPr>
-              <a:t>denial, negation, repudiation, disavowal | negation | NOT operation...</a:t>
+              <a:t>each other, one another...</a:t>
             </a:r>
             <a:endParaRPr lang="en-US" sz="3600" dirty="0"/>
           </a:p>
@@ -2998,7 +3775,7 @@
                   <a:srgbClr val="808080"/>
                 </a:solidFill>
               </a:rPr>
-              <a:t>65-66</a:t>
+              <a:t>63-64</a:t>
             </a:r>
             <a:endParaRPr lang="en-US" sz="2400" dirty="0"/>
           </a:p>
@@ -3059,7 +3836,7 @@
                   <a:srgbClr val="000000"/>
                 </a:solidFill>
               </a:rPr>
-              <a:t>野菜</a:t>
+              <a:t>相互</a:t>
             </a:r>
             <a:endParaRPr lang="en-US" sz="4800" dirty="0"/>
           </a:p>
@@ -3132,7 +3909,7 @@
                   <a:srgbClr val="808080"/>
                 </a:solidFill>
               </a:rPr>
-              <a:t>vegetable...</a:t>
+              <a:t>mutual, reciprocal...</a:t>
             </a:r>
             <a:endParaRPr lang="en-US" sz="3600" dirty="0"/>
           </a:p>
@@ -3168,7 +3945,7 @@
                   <a:srgbClr val="808080"/>
                 </a:solidFill>
               </a:rPr>
-              <a:t>65-66</a:t>
+              <a:t>63-64</a:t>
             </a:r>
             <a:endParaRPr lang="en-US" sz="2400" dirty="0"/>
           </a:p>
@@ -3229,7 +4006,7 @@
                   <a:srgbClr val="000000"/>
                 </a:solidFill>
               </a:rPr>
-              <a:t>穀物</a:t>
+              <a:t>伸びる</a:t>
             </a:r>
             <a:endParaRPr lang="en-US" sz="4800" dirty="0"/>
           </a:p>
@@ -3302,7 +4079,7 @@
                   <a:srgbClr val="808080"/>
                 </a:solidFill>
               </a:rPr>
-              <a:t>grain, cereal, corn...</a:t>
+              <a:t>to stretch, to extend, to lengthen, to grow (of hair, height, grass, etc.) | to straighten out, to be flattened, to becom...</a:t>
             </a:r>
             <a:endParaRPr lang="en-US" sz="3600" dirty="0"/>
           </a:p>
@@ -3338,7 +4115,7 @@
                   <a:srgbClr val="808080"/>
                 </a:solidFill>
               </a:rPr>
-              <a:t>65-66</a:t>
+              <a:t>63-64</a:t>
             </a:r>
             <a:endParaRPr lang="en-US" sz="2400" dirty="0"/>
           </a:p>
